--- a/frend connect/present/Проект PP.pptx
+++ b/frend connect/present/Проект PP.pptx
@@ -274,6 +274,11 @@
       </a:defRPr>
     </a:lvl9pPr>
   </p:defaultTextStyle>
+  <p:extLst>
+    <p:ext uri="{EFAFB233-063F-42B5-8137-9DF3F51BA10A}">
+      <p15:sldGuideLst xmlns:p15="http://schemas.microsoft.com/office/powerpoint/2012/main"/>
+    </p:ext>
+  </p:extLst>
 </p:presentation>
 </file>
 
@@ -19271,10 +19276,18 @@
               <a:buNone/>
             </a:pPr>
             <a:r>
-              <a:rPr lang="en-GB"/>
-              <a:t>Проект использует</a:t>
+              <a:rPr lang="en-GB" dirty="0" err="1"/>
+              <a:t>Проект</a:t>
             </a:r>
-            <a:endParaRPr/>
+            <a:r>
+              <a:rPr lang="en-GB" dirty="0"/>
+              <a:t> </a:t>
+            </a:r>
+            <a:r>
+              <a:rPr lang="en-GB" dirty="0" err="1"/>
+              <a:t>использует</a:t>
+            </a:r>
+            <a:endParaRPr dirty="0"/>
           </a:p>
         </p:txBody>
       </p:sp>
@@ -19317,12 +19330,12 @@
               <a:buNone/>
             </a:pPr>
             <a:r>
-              <a:rPr lang="ru-RU" sz="2000" b="0" i="0" dirty="0" err="1">
+              <a:rPr lang="ru-RU" sz="2000" i="0" dirty="0" err="1">
                 <a:solidFill>
                   <a:srgbClr val="374151"/>
                 </a:solidFill>
                 <a:effectLst/>
-                <a:latin typeface="Times New Roman" panose="02020603050405020304" pitchFamily="18" charset="0"/>
+                <a:latin typeface="Montserrat" panose="00000500000000000000" pitchFamily="2" charset="-52"/>
                 <a:cs typeface="Times New Roman" panose="02020603050405020304" pitchFamily="18" charset="0"/>
               </a:rPr>
               <a:t>FriendConnect</a:t>
@@ -19332,62 +19345,62 @@
                 <a:solidFill>
                   <a:srgbClr val="374151"/>
                 </a:solidFill>
-                <a:latin typeface="Times New Roman" panose="02020603050405020304" pitchFamily="18" charset="0"/>
+                <a:latin typeface="Montserrat" panose="00000500000000000000" pitchFamily="2" charset="-52"/>
                 <a:cs typeface="Times New Roman" panose="02020603050405020304" pitchFamily="18" charset="0"/>
               </a:rPr>
               <a:t> - </a:t>
             </a:r>
             <a:r>
-              <a:rPr lang="ru-RU" sz="2000" b="0" i="0" dirty="0">
+              <a:rPr lang="ru-RU" sz="2000" i="0" dirty="0">
                 <a:solidFill>
                   <a:srgbClr val="374151"/>
                 </a:solidFill>
                 <a:effectLst/>
-                <a:latin typeface="Times New Roman" panose="02020603050405020304" pitchFamily="18" charset="0"/>
+                <a:latin typeface="Montserrat" panose="00000500000000000000" pitchFamily="2" charset="-52"/>
                 <a:cs typeface="Times New Roman" panose="02020603050405020304" pitchFamily="18" charset="0"/>
               </a:rPr>
               <a:t>реализован с использованием языка программирования Python и фреймворка </a:t>
             </a:r>
             <a:r>
-              <a:rPr lang="ru-RU" sz="2000" b="0" i="0" dirty="0" err="1">
+              <a:rPr lang="ru-RU" sz="2000" i="0" dirty="0" err="1">
                 <a:solidFill>
                   <a:srgbClr val="374151"/>
                 </a:solidFill>
                 <a:effectLst/>
-                <a:latin typeface="Times New Roman" panose="02020603050405020304" pitchFamily="18" charset="0"/>
+                <a:latin typeface="Montserrat" panose="00000500000000000000" pitchFamily="2" charset="-52"/>
                 <a:cs typeface="Times New Roman" panose="02020603050405020304" pitchFamily="18" charset="0"/>
               </a:rPr>
               <a:t>Flask</a:t>
             </a:r>
             <a:r>
-              <a:rPr lang="ru-RU" sz="2000" b="0" i="0" dirty="0">
+              <a:rPr lang="ru-RU" sz="2000" i="0" dirty="0">
                 <a:solidFill>
                   <a:srgbClr val="374151"/>
                 </a:solidFill>
                 <a:effectLst/>
-                <a:latin typeface="Times New Roman" panose="02020603050405020304" pitchFamily="18" charset="0"/>
+                <a:latin typeface="Montserrat" panose="00000500000000000000" pitchFamily="2" charset="-52"/>
                 <a:cs typeface="Times New Roman" panose="02020603050405020304" pitchFamily="18" charset="0"/>
               </a:rPr>
               <a:t> для бэкенда, а для </a:t>
             </a:r>
             <a:r>
-              <a:rPr lang="ru-RU" sz="2000" b="0" i="0" dirty="0" err="1">
+              <a:rPr lang="ru-RU" sz="2000" i="0" dirty="0" err="1">
                 <a:solidFill>
                   <a:srgbClr val="374151"/>
                 </a:solidFill>
                 <a:effectLst/>
-                <a:latin typeface="Times New Roman" panose="02020603050405020304" pitchFamily="18" charset="0"/>
+                <a:latin typeface="Montserrat" panose="00000500000000000000" pitchFamily="2" charset="-52"/>
                 <a:cs typeface="Times New Roman" panose="02020603050405020304" pitchFamily="18" charset="0"/>
               </a:rPr>
               <a:t>фронтенда</a:t>
             </a:r>
             <a:r>
-              <a:rPr lang="ru-RU" sz="2000" b="0" i="0" dirty="0">
+              <a:rPr lang="ru-RU" sz="2000" i="0" dirty="0">
                 <a:solidFill>
                   <a:srgbClr val="374151"/>
                 </a:solidFill>
                 <a:effectLst/>
-                <a:latin typeface="Times New Roman" panose="02020603050405020304" pitchFamily="18" charset="0"/>
+                <a:latin typeface="Montserrat" panose="00000500000000000000" pitchFamily="2" charset="-52"/>
                 <a:cs typeface="Times New Roman" panose="02020603050405020304" pitchFamily="18" charset="0"/>
               </a:rPr>
               <a:t> используется HTML, CSS и JavaScript.</a:t>
@@ -19396,7 +19409,7 @@
               <a:solidFill>
                 <a:schemeClr val="dk1"/>
               </a:solidFill>
-              <a:latin typeface="Times New Roman" panose="02020603050405020304" pitchFamily="18" charset="0"/>
+              <a:latin typeface="Montserrat" panose="00000500000000000000" pitchFamily="2" charset="-52"/>
               <a:cs typeface="Times New Roman" panose="02020603050405020304" pitchFamily="18" charset="0"/>
             </a:endParaRPr>
           </a:p>
@@ -19462,10 +19475,34 @@
               <a:buNone/>
             </a:pPr>
             <a:r>
-              <a:rPr lang="en-GB"/>
-              <a:t>Для создания проекта я использовал</a:t>
+              <a:rPr lang="en-GB" dirty="0" err="1"/>
+              <a:t>Для</a:t>
             </a:r>
-            <a:endParaRPr/>
+            <a:r>
+              <a:rPr lang="en-GB" dirty="0"/>
+              <a:t> </a:t>
+            </a:r>
+            <a:r>
+              <a:rPr lang="en-GB" dirty="0" err="1"/>
+              <a:t>создания</a:t>
+            </a:r>
+            <a:r>
+              <a:rPr lang="en-GB" dirty="0"/>
+              <a:t> </a:t>
+            </a:r>
+            <a:r>
+              <a:rPr lang="en-GB" dirty="0" err="1"/>
+              <a:t>проекта</a:t>
+            </a:r>
+            <a:r>
+              <a:rPr lang="en-GB" dirty="0"/>
+              <a:t> я </a:t>
+            </a:r>
+            <a:r>
+              <a:rPr lang="en-GB" dirty="0" err="1"/>
+              <a:t>использовал</a:t>
+            </a:r>
+            <a:endParaRPr dirty="0"/>
           </a:p>
         </p:txBody>
       </p:sp>
@@ -19511,17 +19548,17 @@
                 <a:solidFill>
                   <a:schemeClr val="dk1"/>
                 </a:solidFill>
-                <a:latin typeface="Times New Roman" panose="02020603050405020304" pitchFamily="18" charset="0"/>
+                <a:latin typeface="Montserrat" panose="00000500000000000000" pitchFamily="2" charset="-52"/>
                 <a:cs typeface="Times New Roman" panose="02020603050405020304" pitchFamily="18" charset="0"/>
               </a:rPr>
-              <a:t>К сожалению я ничего не крал а подсматривал из примеров)</a:t>
+              <a:t>К сожалению я ничего не крала подсматривал из примеров)</a:t>
             </a:r>
             <a:r>
               <a:rPr lang="en-US" sz="1800" dirty="0">
                 <a:solidFill>
                   <a:schemeClr val="dk1"/>
                 </a:solidFill>
-                <a:latin typeface="Times New Roman" panose="02020603050405020304" pitchFamily="18" charset="0"/>
+                <a:latin typeface="Montserrat" panose="00000500000000000000" pitchFamily="2" charset="-52"/>
                 <a:cs typeface="Times New Roman" panose="02020603050405020304" pitchFamily="18" charset="0"/>
               </a:rPr>
               <a:t>.</a:t>
@@ -19530,7 +19567,7 @@
               <a:solidFill>
                 <a:schemeClr val="dk1"/>
               </a:solidFill>
-              <a:latin typeface="Times New Roman" panose="02020603050405020304" pitchFamily="18" charset="0"/>
+              <a:latin typeface="Montserrat" panose="00000500000000000000" pitchFamily="2" charset="-52"/>
               <a:cs typeface="Times New Roman" panose="02020603050405020304" pitchFamily="18" charset="0"/>
             </a:endParaRPr>
           </a:p>
@@ -19596,10 +19633,26 @@
               <a:buNone/>
             </a:pPr>
             <a:r>
-              <a:rPr lang="en-GB"/>
-              <a:t>Трудности на пути</a:t>
+              <a:rPr lang="en-GB" dirty="0" err="1"/>
+              <a:t>Трудности</a:t>
             </a:r>
-            <a:endParaRPr/>
+            <a:r>
+              <a:rPr lang="en-GB" dirty="0"/>
+              <a:t> </a:t>
+            </a:r>
+            <a:r>
+              <a:rPr lang="en-GB" dirty="0" err="1"/>
+              <a:t>на</a:t>
+            </a:r>
+            <a:r>
+              <a:rPr lang="en-GB" dirty="0"/>
+              <a:t> </a:t>
+            </a:r>
+            <a:r>
+              <a:rPr lang="en-GB" dirty="0" err="1"/>
+              <a:t>пути</a:t>
+            </a:r>
+            <a:endParaRPr dirty="0"/>
           </a:p>
         </p:txBody>
       </p:sp>
@@ -19749,15 +19802,35 @@
               <a:buAutoNum type="arabicPeriod"/>
             </a:pPr>
             <a:r>
-              <a:rPr lang="ru-RU" sz="1050" b="0" i="0" dirty="0">
+              <a:rPr lang="ru-RU" sz="800" b="0" i="0" dirty="0">
                 <a:solidFill>
                   <a:srgbClr val="374151"/>
                 </a:solidFill>
-                <a:latin typeface="Times New Roman" panose="02020603050405020304" pitchFamily="18" charset="0"/>
+                <a:latin typeface="Montserrat" panose="00000500000000000000" pitchFamily="2" charset="-52"/>
                 <a:cs typeface="Times New Roman" panose="02020603050405020304" pitchFamily="18" charset="0"/>
               </a:rPr>
               <a:t>Добавление функции поиска друзей: Реализовать возможность поиска других пользователей по имени, интересам или общим друзьям, чтобы упростить процесс нахождения и добавления новых контактов.</a:t>
             </a:r>
+            <a:endParaRPr lang="en-US" sz="800" b="0" i="0" dirty="0">
+              <a:solidFill>
+                <a:srgbClr val="374151"/>
+              </a:solidFill>
+              <a:latin typeface="Montserrat" panose="00000500000000000000" pitchFamily="2" charset="-52"/>
+              <a:cs typeface="Times New Roman" panose="02020603050405020304" pitchFamily="18" charset="0"/>
+            </a:endParaRPr>
+          </a:p>
+          <a:p>
+            <a:pPr algn="l">
+              <a:buFont typeface="+mj-lt"/>
+              <a:buAutoNum type="arabicPeriod"/>
+            </a:pPr>
+            <a:endParaRPr lang="ru-RU" sz="800" b="0" i="0" dirty="0">
+              <a:solidFill>
+                <a:srgbClr val="374151"/>
+              </a:solidFill>
+              <a:latin typeface="Montserrat" panose="00000500000000000000" pitchFamily="2" charset="-52"/>
+              <a:cs typeface="Times New Roman" panose="02020603050405020304" pitchFamily="18" charset="0"/>
+            </a:endParaRPr>
           </a:p>
           <a:p>
             <a:pPr algn="l">
@@ -19765,35 +19838,55 @@
               <a:buAutoNum type="arabicPeriod"/>
             </a:pPr>
             <a:r>
-              <a:rPr lang="ru-RU" sz="1050" b="0" i="0" dirty="0">
+              <a:rPr lang="ru-RU" sz="800" b="0" i="0" dirty="0">
                 <a:solidFill>
                   <a:srgbClr val="374151"/>
                 </a:solidFill>
-                <a:latin typeface="Times New Roman" panose="02020603050405020304" pitchFamily="18" charset="0"/>
+                <a:latin typeface="Montserrat" panose="00000500000000000000" pitchFamily="2" charset="-52"/>
                 <a:cs typeface="Times New Roman" panose="02020603050405020304" pitchFamily="18" charset="0"/>
               </a:rPr>
               <a:t>Внедрение системы уведомлений в реальном времени: Использовать технологии, такие как </a:t>
             </a:r>
             <a:r>
-              <a:rPr lang="ru-RU" sz="1050" b="0" i="0" dirty="0" err="1">
+              <a:rPr lang="ru-RU" sz="800" b="0" i="0" dirty="0" err="1">
                 <a:solidFill>
                   <a:srgbClr val="374151"/>
                 </a:solidFill>
-                <a:latin typeface="Times New Roman" panose="02020603050405020304" pitchFamily="18" charset="0"/>
+                <a:latin typeface="Montserrat" panose="00000500000000000000" pitchFamily="2" charset="-52"/>
                 <a:cs typeface="Times New Roman" panose="02020603050405020304" pitchFamily="18" charset="0"/>
               </a:rPr>
               <a:t>WebSockets</a:t>
             </a:r>
             <a:r>
-              <a:rPr lang="ru-RU" sz="1050" b="0" i="0" dirty="0">
+              <a:rPr lang="ru-RU" sz="800" b="0" i="0" dirty="0">
                 <a:solidFill>
                   <a:srgbClr val="374151"/>
                 </a:solidFill>
-                <a:latin typeface="Times New Roman" panose="02020603050405020304" pitchFamily="18" charset="0"/>
+                <a:latin typeface="Montserrat" panose="00000500000000000000" pitchFamily="2" charset="-52"/>
                 <a:cs typeface="Times New Roman" panose="02020603050405020304" pitchFamily="18" charset="0"/>
               </a:rPr>
               <a:t>, для создания мгновенных уведомлений о новых сообщениях, запросах дружбы и других активностях, чтобы обеспечить более плавную и мгновенную коммуникацию между пользователями.</a:t>
             </a:r>
+            <a:endParaRPr lang="en-US" sz="800" b="0" i="0" dirty="0">
+              <a:solidFill>
+                <a:srgbClr val="374151"/>
+              </a:solidFill>
+              <a:latin typeface="Montserrat" panose="00000500000000000000" pitchFamily="2" charset="-52"/>
+              <a:cs typeface="Times New Roman" panose="02020603050405020304" pitchFamily="18" charset="0"/>
+            </a:endParaRPr>
+          </a:p>
+          <a:p>
+            <a:pPr algn="l">
+              <a:buFont typeface="+mj-lt"/>
+              <a:buAutoNum type="arabicPeriod"/>
+            </a:pPr>
+            <a:endParaRPr lang="ru-RU" sz="800" b="0" i="0" dirty="0">
+              <a:solidFill>
+                <a:srgbClr val="374151"/>
+              </a:solidFill>
+              <a:latin typeface="Montserrat" panose="00000500000000000000" pitchFamily="2" charset="-52"/>
+              <a:cs typeface="Times New Roman" panose="02020603050405020304" pitchFamily="18" charset="0"/>
+            </a:endParaRPr>
           </a:p>
           <a:p>
             <a:pPr algn="l">
@@ -19801,15 +19894,35 @@
               <a:buAutoNum type="arabicPeriod"/>
             </a:pPr>
             <a:r>
-              <a:rPr lang="ru-RU" sz="1050" b="0" i="0" dirty="0">
+              <a:rPr lang="ru-RU" sz="800" b="0" i="0" dirty="0">
                 <a:solidFill>
                   <a:srgbClr val="374151"/>
                 </a:solidFill>
-                <a:latin typeface="Times New Roman" panose="02020603050405020304" pitchFamily="18" charset="0"/>
+                <a:latin typeface="Montserrat" panose="00000500000000000000" pitchFamily="2" charset="-52"/>
                 <a:cs typeface="Times New Roman" panose="02020603050405020304" pitchFamily="18" charset="0"/>
               </a:rPr>
               <a:t>Расширение возможностей профиля пользователя: Добавить дополнительные поля в профиль пользователя, такие как местоположение, род занятий, ссылки на социальные сети и другую дополнительную информацию, чтобы пользователи могли более подробно представить себя.</a:t>
             </a:r>
+            <a:endParaRPr lang="en-US" sz="800" b="0" i="0" dirty="0">
+              <a:solidFill>
+                <a:srgbClr val="374151"/>
+              </a:solidFill>
+              <a:latin typeface="Montserrat" panose="00000500000000000000" pitchFamily="2" charset="-52"/>
+              <a:cs typeface="Times New Roman" panose="02020603050405020304" pitchFamily="18" charset="0"/>
+            </a:endParaRPr>
+          </a:p>
+          <a:p>
+            <a:pPr algn="l">
+              <a:buFont typeface="+mj-lt"/>
+              <a:buAutoNum type="arabicPeriod"/>
+            </a:pPr>
+            <a:endParaRPr lang="ru-RU" sz="800" b="0" i="0" dirty="0">
+              <a:solidFill>
+                <a:srgbClr val="374151"/>
+              </a:solidFill>
+              <a:latin typeface="Montserrat" panose="00000500000000000000" pitchFamily="2" charset="-52"/>
+              <a:cs typeface="Times New Roman" panose="02020603050405020304" pitchFamily="18" charset="0"/>
+            </a:endParaRPr>
           </a:p>
           <a:p>
             <a:pPr algn="l">
@@ -19817,15 +19930,35 @@
               <a:buAutoNum type="arabicPeriod"/>
             </a:pPr>
             <a:r>
-              <a:rPr lang="ru-RU" sz="1050" b="0" i="0" dirty="0">
+              <a:rPr lang="ru-RU" sz="800" b="0" i="0" dirty="0">
                 <a:solidFill>
                   <a:srgbClr val="374151"/>
                 </a:solidFill>
-                <a:latin typeface="Times New Roman" panose="02020603050405020304" pitchFamily="18" charset="0"/>
+                <a:latin typeface="Montserrat" panose="00000500000000000000" pitchFamily="2" charset="-52"/>
                 <a:cs typeface="Times New Roman" panose="02020603050405020304" pitchFamily="18" charset="0"/>
               </a:rPr>
               <a:t>Реализация системы комментариев и лайков: Позволить пользователям оставлять комментарии под постами и фотографиями других пользователей, а также ставить лайки к их контенту, чтобы стимулировать взаимодействие и создание сообщества.</a:t>
             </a:r>
+            <a:endParaRPr lang="en-US" sz="800" b="0" i="0" dirty="0">
+              <a:solidFill>
+                <a:srgbClr val="374151"/>
+              </a:solidFill>
+              <a:latin typeface="Montserrat" panose="00000500000000000000" pitchFamily="2" charset="-52"/>
+              <a:cs typeface="Times New Roman" panose="02020603050405020304" pitchFamily="18" charset="0"/>
+            </a:endParaRPr>
+          </a:p>
+          <a:p>
+            <a:pPr algn="l">
+              <a:buFont typeface="+mj-lt"/>
+              <a:buAutoNum type="arabicPeriod"/>
+            </a:pPr>
+            <a:endParaRPr lang="ru-RU" sz="800" b="0" i="0" dirty="0">
+              <a:solidFill>
+                <a:srgbClr val="374151"/>
+              </a:solidFill>
+              <a:latin typeface="Montserrat" panose="00000500000000000000" pitchFamily="2" charset="-52"/>
+              <a:cs typeface="Times New Roman" panose="02020603050405020304" pitchFamily="18" charset="0"/>
+            </a:endParaRPr>
           </a:p>
           <a:p>
             <a:pPr algn="l">
@@ -19833,35 +19966,55 @@
               <a:buAutoNum type="arabicPeriod"/>
             </a:pPr>
             <a:r>
-              <a:rPr lang="ru-RU" sz="1050" b="0" i="0" dirty="0">
+              <a:rPr lang="ru-RU" sz="800" b="0" i="0" dirty="0">
                 <a:solidFill>
                   <a:srgbClr val="374151"/>
                 </a:solidFill>
-                <a:latin typeface="Times New Roman" panose="02020603050405020304" pitchFamily="18" charset="0"/>
+                <a:latin typeface="Montserrat" panose="00000500000000000000" pitchFamily="2" charset="-52"/>
                 <a:cs typeface="Times New Roman" panose="02020603050405020304" pitchFamily="18" charset="0"/>
               </a:rPr>
               <a:t>Разработка мобильного приложения: Создать мобильное приложение для </a:t>
             </a:r>
             <a:r>
-              <a:rPr lang="ru-RU" sz="1050" b="0" i="0" dirty="0" err="1">
+              <a:rPr lang="ru-RU" sz="800" b="0" i="0" dirty="0" err="1">
                 <a:solidFill>
                   <a:srgbClr val="374151"/>
                 </a:solidFill>
-                <a:latin typeface="Times New Roman" panose="02020603050405020304" pitchFamily="18" charset="0"/>
+                <a:latin typeface="Montserrat" panose="00000500000000000000" pitchFamily="2" charset="-52"/>
                 <a:cs typeface="Times New Roman" panose="02020603050405020304" pitchFamily="18" charset="0"/>
               </a:rPr>
               <a:t>FriendConnect</a:t>
             </a:r>
             <a:r>
-              <a:rPr lang="ru-RU" sz="1050" b="0" i="0" dirty="0">
+              <a:rPr lang="ru-RU" sz="800" b="0" i="0" dirty="0">
                 <a:solidFill>
                   <a:srgbClr val="374151"/>
                 </a:solidFill>
-                <a:latin typeface="Times New Roman" panose="02020603050405020304" pitchFamily="18" charset="0"/>
+                <a:latin typeface="Montserrat" panose="00000500000000000000" pitchFamily="2" charset="-52"/>
                 <a:cs typeface="Times New Roman" panose="02020603050405020304" pitchFamily="18" charset="0"/>
               </a:rPr>
               <a:t>, чтобы пользователи могли общаться с друзьями и получать уведомления прямо со своих мобильных устройств, обеспечивая более удобный и доступный опыт использования.</a:t>
             </a:r>
+            <a:endParaRPr lang="en-US" sz="800" b="0" i="0" dirty="0">
+              <a:solidFill>
+                <a:srgbClr val="374151"/>
+              </a:solidFill>
+              <a:latin typeface="Montserrat" panose="00000500000000000000" pitchFamily="2" charset="-52"/>
+              <a:cs typeface="Times New Roman" panose="02020603050405020304" pitchFamily="18" charset="0"/>
+            </a:endParaRPr>
+          </a:p>
+          <a:p>
+            <a:pPr algn="l">
+              <a:buFont typeface="+mj-lt"/>
+              <a:buAutoNum type="arabicPeriod"/>
+            </a:pPr>
+            <a:endParaRPr lang="ru-RU" sz="800" b="0" i="0" dirty="0">
+              <a:solidFill>
+                <a:srgbClr val="374151"/>
+              </a:solidFill>
+              <a:latin typeface="Montserrat" panose="00000500000000000000" pitchFamily="2" charset="-52"/>
+              <a:cs typeface="Times New Roman" panose="02020603050405020304" pitchFamily="18" charset="0"/>
+            </a:endParaRPr>
           </a:p>
           <a:p>
             <a:pPr algn="l">
@@ -19869,15 +20022,35 @@
               <a:buAutoNum type="arabicPeriod"/>
             </a:pPr>
             <a:r>
-              <a:rPr lang="ru-RU" sz="1050" b="0" i="0" dirty="0">
+              <a:rPr lang="ru-RU" sz="800" b="0" i="0" dirty="0">
                 <a:solidFill>
                   <a:srgbClr val="374151"/>
                 </a:solidFill>
-                <a:latin typeface="Times New Roman" panose="02020603050405020304" pitchFamily="18" charset="0"/>
+                <a:latin typeface="Montserrat" panose="00000500000000000000" pitchFamily="2" charset="-52"/>
                 <a:cs typeface="Times New Roman" panose="02020603050405020304" pitchFamily="18" charset="0"/>
               </a:rPr>
               <a:t>Улучшение системы безопасности: Внедрить дополнительные меры безопасности, такие как защита от CSRF-атак и внедрение двухфакторной аутентификации, чтобы обеспечить надежность и защиту данных пользователей.</a:t>
             </a:r>
+            <a:endParaRPr lang="en-US" sz="800" b="0" i="0" dirty="0">
+              <a:solidFill>
+                <a:srgbClr val="374151"/>
+              </a:solidFill>
+              <a:latin typeface="Montserrat" panose="00000500000000000000" pitchFamily="2" charset="-52"/>
+              <a:cs typeface="Times New Roman" panose="02020603050405020304" pitchFamily="18" charset="0"/>
+            </a:endParaRPr>
+          </a:p>
+          <a:p>
+            <a:pPr algn="l">
+              <a:buFont typeface="+mj-lt"/>
+              <a:buAutoNum type="arabicPeriod"/>
+            </a:pPr>
+            <a:endParaRPr lang="ru-RU" sz="800" b="0" i="0" dirty="0">
+              <a:solidFill>
+                <a:srgbClr val="374151"/>
+              </a:solidFill>
+              <a:latin typeface="Montserrat" panose="00000500000000000000" pitchFamily="2" charset="-52"/>
+              <a:cs typeface="Times New Roman" panose="02020603050405020304" pitchFamily="18" charset="0"/>
+            </a:endParaRPr>
           </a:p>
           <a:p>
             <a:pPr algn="l">
@@ -19885,15 +20058,35 @@
               <a:buAutoNum type="arabicPeriod"/>
             </a:pPr>
             <a:r>
-              <a:rPr lang="ru-RU" sz="1050" b="0" i="0" dirty="0">
+              <a:rPr lang="ru-RU" sz="800" b="0" i="0" dirty="0">
                 <a:solidFill>
                   <a:srgbClr val="374151"/>
                 </a:solidFill>
-                <a:latin typeface="Times New Roman" panose="02020603050405020304" pitchFamily="18" charset="0"/>
+                <a:latin typeface="Montserrat" panose="00000500000000000000" pitchFamily="2" charset="-52"/>
                 <a:cs typeface="Times New Roman" panose="02020603050405020304" pitchFamily="18" charset="0"/>
               </a:rPr>
               <a:t>Расширение функционала групповых чатов: Добавить возможность обмена файлами, создания голосовых и видеозвонков в групповых чатах, чтобы пользователи могли более полноценно взаимодействовать и совместно работать.</a:t>
             </a:r>
+            <a:endParaRPr lang="en-US" sz="800" b="0" i="0" dirty="0">
+              <a:solidFill>
+                <a:srgbClr val="374151"/>
+              </a:solidFill>
+              <a:latin typeface="Montserrat" panose="00000500000000000000" pitchFamily="2" charset="-52"/>
+              <a:cs typeface="Times New Roman" panose="02020603050405020304" pitchFamily="18" charset="0"/>
+            </a:endParaRPr>
+          </a:p>
+          <a:p>
+            <a:pPr algn="l">
+              <a:buFont typeface="+mj-lt"/>
+              <a:buAutoNum type="arabicPeriod"/>
+            </a:pPr>
+            <a:endParaRPr lang="ru-RU" sz="800" b="0" i="0" dirty="0">
+              <a:solidFill>
+                <a:srgbClr val="374151"/>
+              </a:solidFill>
+              <a:latin typeface="Montserrat" panose="00000500000000000000" pitchFamily="2" charset="-52"/>
+              <a:cs typeface="Times New Roman" panose="02020603050405020304" pitchFamily="18" charset="0"/>
+            </a:endParaRPr>
           </a:p>
           <a:p>
             <a:pPr algn="l">
@@ -19901,63 +20094,35 @@
               <a:buAutoNum type="arabicPeriod"/>
             </a:pPr>
             <a:r>
-              <a:rPr lang="ru-RU" sz="1050" b="0" i="0" dirty="0">
+              <a:rPr lang="ru-RU" sz="800" b="0" i="0" dirty="0">
                 <a:solidFill>
                   <a:srgbClr val="374151"/>
                 </a:solidFill>
-                <a:latin typeface="Times New Roman" panose="02020603050405020304" pitchFamily="18" charset="0"/>
+                <a:latin typeface="Montserrat" panose="00000500000000000000" pitchFamily="2" charset="-52"/>
                 <a:cs typeface="Times New Roman" panose="02020603050405020304" pitchFamily="18" charset="0"/>
               </a:rPr>
               <a:t>Повышение производительности и масштабируемости: Оптимизировать производительность приложения и реализовать масштабируемую архитектуру, чтобы </a:t>
             </a:r>
             <a:r>
-              <a:rPr lang="ru-RU" sz="1050" b="0" i="0" dirty="0" err="1">
+              <a:rPr lang="ru-RU" sz="800" b="0" i="0" dirty="0" err="1">
                 <a:solidFill>
                   <a:srgbClr val="374151"/>
                 </a:solidFill>
-                <a:latin typeface="Times New Roman" panose="02020603050405020304" pitchFamily="18" charset="0"/>
+                <a:latin typeface="Montserrat" panose="00000500000000000000" pitchFamily="2" charset="-52"/>
                 <a:cs typeface="Times New Roman" panose="02020603050405020304" pitchFamily="18" charset="0"/>
               </a:rPr>
               <a:t>FriendConnect</a:t>
             </a:r>
             <a:r>
-              <a:rPr lang="ru-RU" sz="1050" b="0" i="0" dirty="0">
+              <a:rPr lang="ru-RU" sz="800" b="0" i="0" dirty="0">
                 <a:solidFill>
                   <a:srgbClr val="374151"/>
                 </a:solidFill>
-                <a:latin typeface="Times New Roman" panose="02020603050405020304" pitchFamily="18" charset="0"/>
+                <a:latin typeface="Montserrat" panose="00000500000000000000" pitchFamily="2" charset="-52"/>
                 <a:cs typeface="Times New Roman" panose="02020603050405020304" pitchFamily="18" charset="0"/>
               </a:rPr>
               <a:t> мог выдерживать рост пользовательской базы и обрабатывать большой объем запросов.</a:t>
             </a:r>
-          </a:p>
-          <a:p>
-            <a:pPr algn="l">
-              <a:buFont typeface="+mj-lt"/>
-              <a:buAutoNum type="arabicPeriod"/>
-            </a:pPr>
-            <a:r>
-              <a:rPr lang="ru-RU" sz="1050" b="0" i="0" dirty="0">
-                <a:solidFill>
-                  <a:srgbClr val="374151"/>
-                </a:solidFill>
-                <a:latin typeface="Times New Roman" panose="02020603050405020304" pitchFamily="18" charset="0"/>
-                <a:cs typeface="Times New Roman" panose="02020603050405020304" pitchFamily="18" charset="0"/>
-              </a:rPr>
-              <a:t>Добавление локализации: Поддержка различных языков и локализация интерфейса, чтобы привлечь более</a:t>
-            </a:r>
-          </a:p>
-          <a:p>
-            <a:pPr marL="0" lvl="0" indent="0" algn="l" rtl="0">
-              <a:spcBef>
-                <a:spcPts val="0"/>
-              </a:spcBef>
-              <a:spcAft>
-                <a:spcPts val="0"/>
-              </a:spcAft>
-              <a:buNone/>
-            </a:pPr>
-            <a:endParaRPr dirty="0"/>
           </a:p>
         </p:txBody>
       </p:sp>
